--- a/Quiz.pptx
+++ b/Quiz.pptx
@@ -21,7 +21,6 @@
     <p:sldId id="269" r:id="rId16"/>
     <p:sldId id="270" r:id="rId17"/>
     <p:sldId id="271" r:id="rId18"/>
-    <p:sldId id="272" r:id="rId19"/>
   </p:sldIdLst>
   <p:sldSz cx="9144000" cy="5143500" type="screen16x9"/>
   <p:notesSz cx="9144000" cy="5143500"/>
@@ -23901,82 +23900,6 @@
       </p:grpSpPr>
       <p:sp>
         <p:nvSpPr>
-          <p:cNvPr id="668" name="Google Shape;668;p40"/>
-          <p:cNvSpPr txBox="1">
-            <a:spLocks noGrp="1"/>
-          </p:cNvSpPr>
-          <p:nvPr>
-            <p:ph type="title"/>
-          </p:nvPr>
-        </p:nvSpPr>
-        <p:spPr bwMode="auto">
-          <a:xfrm>
-            <a:off x="2230950" y="1470942"/>
-            <a:ext cx="4682100" cy="2259300"/>
-          </a:xfrm>
-          <a:prstGeom prst="rect">
-            <a:avLst/>
-          </a:prstGeom>
-        </p:spPr>
-        <p:txBody>
-          <a:bodyPr spcFirstLastPara="1" wrap="square" lIns="91425" tIns="91425" rIns="91425" bIns="91425" anchor="t" anchorCtr="0">
-            <a:noAutofit/>
-          </a:bodyPr>
-          <a:lstStyle/>
-          <a:p>
-            <a:pPr marL="0" lvl="0" indent="0" algn="ctr">
-              <a:spcBef>
-                <a:spcPts val="0"/>
-              </a:spcBef>
-              <a:spcAft>
-                <a:spcPts val="0"/>
-              </a:spcAft>
-              <a:buNone/>
-              <a:defRPr/>
-            </a:pPr>
-            <a:r>
-              <a:rPr lang="en"/>
-              <a:t>AWESOME WORDS</a:t>
-            </a:r>
-            <a:endParaRPr/>
-          </a:p>
-        </p:txBody>
-      </p:sp>
-    </p:spTree>
-  </p:cSld>
-  <p:clrMapOvr>
-    <a:masterClrMapping/>
-  </p:clrMapOvr>
-  <mc:AlternateContent xmlns:mc="http://schemas.openxmlformats.org/markup-compatibility/2006">
-    <mc:Choice xmlns:p14="http://schemas.microsoft.com/office/powerpoint/2010/main" Requires="p14">
-      <p:transition p14:dur="2000" advClick="1"/>
-    </mc:Choice>
-    <mc:Fallback>
-      <p:transition advClick="1"/>
-    </mc:Fallback>
-  </mc:AlternateContent>
-</p:sld>
-</file>
-
-<file path=ppt/slides/slide11.xml><?xml version="1.0" encoding="utf-8"?>
-<p:sld xmlns:a="http://schemas.openxmlformats.org/drawingml/2006/main" xmlns:r="http://schemas.openxmlformats.org/officeDocument/2006/relationships" xmlns:p="http://schemas.openxmlformats.org/presentationml/2006/main" xmlns:m="http://schemas.openxmlformats.org/officeDocument/2006/math" xmlns:w="http://schemas.openxmlformats.org/wordprocessingml/2006/main" showMasterPhAnim="0" show="1">
-  <p:cSld name="">
-    <p:spTree>
-      <p:nvGrpSpPr>
-        <p:cNvPr id="1" name=""/>
-        <p:cNvGrpSpPr/>
-        <p:nvPr/>
-      </p:nvGrpSpPr>
-      <p:grpSpPr bwMode="auto">
-        <a:xfrm>
-          <a:off x="0" y="0"/>
-          <a:ext cx="0" cy="0"/>
-          <a:chOff x="0" y="0"/>
-          <a:chExt cx="0" cy="0"/>
-        </a:xfrm>
-      </p:grpSpPr>
-      <p:sp>
-        <p:nvSpPr>
           <p:cNvPr id="812325601" name="Google Shape;878;p48"/>
           <p:cNvSpPr txBox="1">
             <a:spLocks noGrp="1"/>
@@ -24925,7 +24848,7 @@
 </p:sld>
 </file>
 
-<file path=ppt/slides/slide12.xml><?xml version="1.0" encoding="utf-8"?>
+<file path=ppt/slides/slide11.xml><?xml version="1.0" encoding="utf-8"?>
 <p:sld xmlns:a="http://schemas.openxmlformats.org/drawingml/2006/main" xmlns:r="http://schemas.openxmlformats.org/officeDocument/2006/relationships" xmlns:p="http://schemas.openxmlformats.org/presentationml/2006/main" xmlns:m="http://schemas.openxmlformats.org/officeDocument/2006/math" xmlns:w="http://schemas.openxmlformats.org/wordprocessingml/2006/main" showMasterPhAnim="0" show="1">
   <p:cSld name="">
     <p:spTree>
@@ -25858,7 +25781,7 @@
 </p:sld>
 </file>
 
-<file path=ppt/slides/slide13.xml><?xml version="1.0" encoding="utf-8"?>
+<file path=ppt/slides/slide12.xml><?xml version="1.0" encoding="utf-8"?>
 <p:sld xmlns:a="http://schemas.openxmlformats.org/drawingml/2006/main" xmlns:r="http://schemas.openxmlformats.org/officeDocument/2006/relationships" xmlns:p="http://schemas.openxmlformats.org/presentationml/2006/main" xmlns:m="http://schemas.openxmlformats.org/officeDocument/2006/math" xmlns:w="http://schemas.openxmlformats.org/wordprocessingml/2006/main" showMasterPhAnim="0" show="1">
   <p:cSld name="">
     <p:spTree>
@@ -27194,7 +27117,7 @@
 </p:sld>
 </file>
 
-<file path=ppt/slides/slide14.xml><?xml version="1.0" encoding="utf-8"?>
+<file path=ppt/slides/slide13.xml><?xml version="1.0" encoding="utf-8"?>
 <p:sld xmlns:a="http://schemas.openxmlformats.org/drawingml/2006/main" xmlns:r="http://schemas.openxmlformats.org/officeDocument/2006/relationships" xmlns:p="http://schemas.openxmlformats.org/presentationml/2006/main" xmlns:m="http://schemas.openxmlformats.org/officeDocument/2006/math" xmlns:w="http://schemas.openxmlformats.org/wordprocessingml/2006/main" showMasterPhAnim="0" show="1">
   <p:cSld name="">
     <p:spTree>
@@ -27784,7 +27707,7 @@
 </p:sld>
 </file>
 
-<file path=ppt/slides/slide15.xml><?xml version="1.0" encoding="utf-8"?>
+<file path=ppt/slides/slide14.xml><?xml version="1.0" encoding="utf-8"?>
 <p:sld xmlns:a="http://schemas.openxmlformats.org/drawingml/2006/main" xmlns:r="http://schemas.openxmlformats.org/officeDocument/2006/relationships" xmlns:p="http://schemas.openxmlformats.org/presentationml/2006/main" xmlns:m="http://schemas.openxmlformats.org/officeDocument/2006/math" xmlns:w="http://schemas.openxmlformats.org/wordprocessingml/2006/main" showMasterPhAnim="0" show="1">
   <p:cSld name="">
     <p:spTree>
@@ -28733,7 +28656,7 @@
 </p:sld>
 </file>
 
-<file path=ppt/slides/slide16.xml><?xml version="1.0" encoding="utf-8"?>
+<file path=ppt/slides/slide15.xml><?xml version="1.0" encoding="utf-8"?>
 <p:sld xmlns:a="http://schemas.openxmlformats.org/drawingml/2006/main" xmlns:r="http://schemas.openxmlformats.org/officeDocument/2006/relationships" xmlns:p="http://schemas.openxmlformats.org/presentationml/2006/main" xmlns:m="http://schemas.openxmlformats.org/officeDocument/2006/math" xmlns:w="http://schemas.openxmlformats.org/wordprocessingml/2006/main" showMasterPhAnim="0" show="1">
   <p:cSld name="">
     <p:spTree>
@@ -28768,7 +28691,7 @@
           </a:prstGeom>
         </p:spPr>
         <p:txBody>
-          <a:bodyPr spcFirstLastPara="1" wrap="square" lIns="91424" tIns="91424" rIns="91424" bIns="91424" anchor="t" anchorCtr="0">
+          <a:bodyPr spcFirstLastPara="1" wrap="square" lIns="91423" tIns="91423" rIns="91423" bIns="91423" anchor="t" anchorCtr="0">
             <a:noAutofit/>
           </a:bodyPr>
           <a:lstStyle/>
@@ -28801,7 +28724,7 @@
         </p:nvSpPr>
         <p:spPr bwMode="auto">
           <a:xfrm>
-            <a:off x="1008576" y="1590214"/>
+            <a:off x="1008575" y="1590214"/>
             <a:ext cx="850500" cy="752099"/>
           </a:xfrm>
           <a:prstGeom prst="rect">
@@ -28809,7 +28732,7 @@
           </a:prstGeom>
         </p:spPr>
         <p:txBody>
-          <a:bodyPr spcFirstLastPara="1" wrap="square" lIns="91424" tIns="91424" rIns="91424" bIns="91424" anchor="b" anchorCtr="0">
+          <a:bodyPr spcFirstLastPara="1" wrap="square" lIns="91423" tIns="91423" rIns="91423" bIns="91423" anchor="b" anchorCtr="0">
             <a:noAutofit/>
           </a:bodyPr>
           <a:lstStyle/>
@@ -28846,7 +28769,7 @@
         </p:nvSpPr>
         <p:spPr bwMode="auto">
           <a:xfrm>
-            <a:off x="1008576" y="1966264"/>
+            <a:off x="1008575" y="1966264"/>
             <a:ext cx="850500" cy="752099"/>
           </a:xfrm>
           <a:prstGeom prst="rect">
@@ -28854,7 +28777,7 @@
           </a:prstGeom>
         </p:spPr>
         <p:txBody>
-          <a:bodyPr spcFirstLastPara="1" wrap="square" lIns="91424" tIns="91424" rIns="91424" bIns="91424" anchor="b" anchorCtr="0">
+          <a:bodyPr spcFirstLastPara="1" wrap="square" lIns="91423" tIns="91423" rIns="91423" bIns="91423" anchor="b" anchorCtr="0">
             <a:noAutofit/>
           </a:bodyPr>
           <a:lstStyle/>
@@ -29457,7 +29380,7 @@
         </p:nvSpPr>
         <p:spPr bwMode="auto">
           <a:xfrm>
-            <a:off x="1008576" y="2373814"/>
+            <a:off x="1008575" y="2373814"/>
             <a:ext cx="850500" cy="752098"/>
           </a:xfrm>
           <a:prstGeom prst="rect">
@@ -29738,7 +29661,7 @@
         <p:spPr bwMode="auto">
           <a:xfrm flipH="1" flipV="0">
             <a:off x="1650844" y="1770364"/>
-            <a:ext cx="3185227" cy="391798"/>
+            <a:ext cx="3185226" cy="391798"/>
           </a:xfrm>
           <a:prstGeom prst="rect">
             <a:avLst/>
@@ -30593,7 +30516,7 @@
 </p:sld>
 </file>
 
-<file path=ppt/slides/slide17.xml><?xml version="1.0" encoding="utf-8"?>
+<file path=ppt/slides/slide16.xml><?xml version="1.0" encoding="utf-8"?>
 <p:sld xmlns:a="http://schemas.openxmlformats.org/drawingml/2006/main" xmlns:r="http://schemas.openxmlformats.org/officeDocument/2006/relationships" xmlns:p="http://schemas.openxmlformats.org/presentationml/2006/main" xmlns:m="http://schemas.openxmlformats.org/officeDocument/2006/math" xmlns:w="http://schemas.openxmlformats.org/wordprocessingml/2006/main" showMasterPhAnim="0" show="1">
   <p:cSld name="">
     <p:spTree>
